--- a/images/GitHub_Photos.pptx
+++ b/images/GitHub_Photos.pptx
@@ -5,8 +5,9 @@
     <p:sldMasterId id="2147483684" r:id="rId1"/>
   </p:sldMasterIdLst>
   <p:sldIdLst>
-    <p:sldId id="256" r:id="rId2"/>
-    <p:sldId id="257" r:id="rId3"/>
+    <p:sldId id="258" r:id="rId2"/>
+    <p:sldId id="256" r:id="rId3"/>
+    <p:sldId id="257" r:id="rId4"/>
   </p:sldIdLst>
   <p:sldSz cx="8686800" cy="8686800"/>
   <p:notesSz cx="6858000" cy="9144000"/>
@@ -3015,6 +3016,180 @@
       </p:grpSpPr>
       <p:pic>
         <p:nvPicPr>
+          <p:cNvPr id="3" name="Picture 2" descr="A person sitting at a desk&#10;&#10;Description automatically generated with medium confidence">
+            <a:extLst>
+              <a:ext uri="{FF2B5EF4-FFF2-40B4-BE49-F238E27FC236}">
+                <a16:creationId xmlns:a16="http://schemas.microsoft.com/office/drawing/2014/main" id="{06BEF018-6446-5018-13F8-463FDF507BCA}"/>
+              </a:ext>
+            </a:extLst>
+          </p:cNvPr>
+          <p:cNvPicPr>
+            <a:picLocks noChangeAspect="1"/>
+          </p:cNvPicPr>
+          <p:nvPr/>
+        </p:nvPicPr>
+        <p:blipFill rotWithShape="1">
+          <a:blip r:embed="rId2">
+            <a:extLst>
+              <a:ext uri="{BEBA8EAE-BF5A-486C-A8C5-ECC9F3942E4B}">
+                <a14:imgProps xmlns:a14="http://schemas.microsoft.com/office/drawing/2010/main">
+                  <a14:imgLayer r:embed="rId3">
+                    <a14:imgEffect>
+                      <a14:backgroundRemoval t="8014" b="97561" l="2500" r="99519">
+                        <a14:foregroundMark x1="50288" y1="8246" x2="50288" y2="8246"/>
+                        <a14:foregroundMark x1="46250" y1="8246" x2="46250" y2="8246"/>
+                        <a14:foregroundMark x1="9038" y1="70383" x2="9038" y2="70383"/>
+                        <a14:foregroundMark x1="5481" y1="82927" x2="5481" y2="82927"/>
+                        <a14:foregroundMark x1="4808" y1="80952" x2="5338" y2="85646"/>
+                        <a14:foregroundMark x1="11635" y1="84669" x2="13558" y2="84669"/>
+                        <a14:foregroundMark x1="13077" y1="86527" x2="15000" y2="86876"/>
+                        <a14:foregroundMark x1="11827" y1="86643" x2="15288" y2="87456"/>
+                        <a14:foregroundMark x1="13269" y1="89431" x2="13269" y2="89431"/>
+                        <a14:foregroundMark x1="8846" y1="91057" x2="8846" y2="91057"/>
+                        <a14:foregroundMark x1="8846" y1="90360" x2="8846" y2="90360"/>
+                        <a14:foregroundMark x1="7212" y1="86179" x2="14904" y2="93496"/>
+                        <a14:foregroundMark x1="3942" y1="85598" x2="7596" y2="93148"/>
+                        <a14:foregroundMark x1="7596" y1="93148" x2="11442" y2="94657"/>
+                        <a14:foregroundMark x1="17212" y1="93148" x2="26635" y2="92799"/>
+                        <a14:foregroundMark x1="14712" y1="97793" x2="33269" y2="96748"/>
+                        <a14:foregroundMark x1="8269" y1="96632" x2="2596" y2="97677"/>
+                        <a14:foregroundMark x1="11538" y1="87340" x2="10673" y2="87456"/>
+                        <a14:foregroundMark x1="91154" y1="88966" x2="92019" y2="88618"/>
+                        <a14:foregroundMark x1="94519" y1="89199" x2="95865" y2="89199"/>
+                        <a14:foregroundMark x1="94038" y1="81649" x2="99519" y2="80023"/>
+                        <a14:foregroundMark x1="44519" y1="59233" x2="44519" y2="59233"/>
+                        <a14:foregroundMark x1="39904" y1="50058" x2="45000" y2="65970"/>
+                        <a14:backgroundMark x1="6058" y1="67247" x2="6058" y2="67247"/>
+                        <a14:backgroundMark x1="4038" y1="68757" x2="4038" y2="68757"/>
+                        <a14:backgroundMark x1="6346" y1="66899" x2="6346" y2="66899"/>
+                        <a14:backgroundMark x1="7115" y1="63763" x2="3365" y2="72474"/>
+                        <a14:backgroundMark x1="3077" y1="82811" x2="2596" y2="84553"/>
+                        <a14:backgroundMark x1="21538" y1="99652" x2="21538" y2="99652"/>
+                        <a14:backgroundMark x1="19712" y1="99768" x2="19712" y2="99768"/>
+                        <a14:backgroundMark x1="16635" y1="99768" x2="16635" y2="99768"/>
+                        <a14:backgroundMark x1="13942" y1="99884" x2="13942" y2="99884"/>
+                        <a14:backgroundMark x1="13462" y1="99884" x2="13462" y2="99884"/>
+                        <a14:backgroundMark x1="8558" y1="99884" x2="8558" y2="99884"/>
+                        <a14:backgroundMark x1="79712" y1="69338" x2="81538" y2="70964"/>
+                        <a14:backgroundMark x1="90481" y1="63415" x2="91250" y2="65389"/>
+                        <a14:backgroundMark x1="92692" y1="66899" x2="92692" y2="66899"/>
+                        <a14:backgroundMark x1="90577" y1="63995" x2="90769" y2="68409"/>
+                        <a14:backgroundMark x1="85481" y1="73287" x2="87212" y2="72009"/>
+                        <a14:backgroundMark x1="84519" y1="72706" x2="80962" y2="72009"/>
+                        <a14:backgroundMark x1="81538" y1="72358" x2="81154" y2="72125"/>
+                        <a14:backgroundMark x1="81058" y1="72706" x2="80673" y2="72242"/>
+                        <a14:backgroundMark x1="92212" y1="71545" x2="92212" y2="71545"/>
+                        <a14:backgroundMark x1="77885" y1="69106" x2="77885" y2="69106"/>
+                        <a14:backgroundMark x1="77788" y1="68525" x2="77788" y2="68525"/>
+                      </a14:backgroundRemoval>
+                    </a14:imgEffect>
+                  </a14:imgLayer>
+                </a14:imgProps>
+              </a:ext>
+              <a:ext uri="{28A0092B-C50C-407E-A947-70E740481C1C}">
+                <a14:useLocalDpi xmlns:a14="http://schemas.microsoft.com/office/drawing/2010/main" val="0"/>
+              </a:ext>
+            </a:extLst>
+          </a:blip>
+          <a:srcRect l="3180" r="2302"/>
+          <a:stretch/>
+        </p:blipFill>
+        <p:spPr>
+          <a:xfrm>
+            <a:off x="276224" y="747566"/>
+            <a:ext cx="8210551" cy="7191668"/>
+          </a:xfrm>
+          <a:prstGeom prst="rect">
+            <a:avLst/>
+          </a:prstGeom>
+        </p:spPr>
+      </p:pic>
+      <p:sp>
+        <p:nvSpPr>
+          <p:cNvPr id="4" name="Isosceles Triangle 3">
+            <a:extLst>
+              <a:ext uri="{FF2B5EF4-FFF2-40B4-BE49-F238E27FC236}">
+                <a16:creationId xmlns:a16="http://schemas.microsoft.com/office/drawing/2014/main" id="{1BBE7742-1E72-DCA7-C019-D16E7293A950}"/>
+              </a:ext>
+            </a:extLst>
+          </p:cNvPr>
+          <p:cNvSpPr/>
+          <p:nvPr/>
+        </p:nvSpPr>
+        <p:spPr>
+          <a:xfrm>
+            <a:off x="-333375" y="7467600"/>
+            <a:ext cx="9020175" cy="471634"/>
+          </a:xfrm>
+          <a:prstGeom prst="triangle">
+            <a:avLst>
+              <a:gd name="adj" fmla="val 100000"/>
+            </a:avLst>
+          </a:prstGeom>
+          <a:solidFill>
+            <a:schemeClr val="bg1"/>
+          </a:solidFill>
+          <a:ln>
+            <a:solidFill>
+              <a:schemeClr val="bg1"/>
+            </a:solidFill>
+          </a:ln>
+        </p:spPr>
+        <p:style>
+          <a:lnRef idx="2">
+            <a:schemeClr val="dk1"/>
+          </a:lnRef>
+          <a:fillRef idx="1">
+            <a:schemeClr val="lt1"/>
+          </a:fillRef>
+          <a:effectRef idx="0">
+            <a:schemeClr val="dk1"/>
+          </a:effectRef>
+          <a:fontRef idx="minor">
+            <a:schemeClr val="dk1"/>
+          </a:fontRef>
+        </p:style>
+        <p:txBody>
+          <a:bodyPr rtlCol="0" anchor="ctr"/>
+          <a:lstStyle/>
+          <a:p>
+            <a:pPr algn="ctr"/>
+            <a:endParaRPr lang="en-US" dirty="0"/>
+          </a:p>
+        </p:txBody>
+      </p:sp>
+    </p:spTree>
+    <p:extLst>
+      <p:ext uri="{BB962C8B-B14F-4D97-AF65-F5344CB8AC3E}">
+        <p14:creationId xmlns:p14="http://schemas.microsoft.com/office/powerpoint/2010/main" val="973612187"/>
+      </p:ext>
+    </p:extLst>
+  </p:cSld>
+  <p:clrMapOvr>
+    <a:masterClrMapping/>
+  </p:clrMapOvr>
+</p:sld>
+</file>
+
+<file path=ppt/slides/slide2.xml><?xml version="1.0" encoding="utf-8"?>
+<p:sld xmlns:a="http://schemas.openxmlformats.org/drawingml/2006/main" xmlns:r="http://schemas.openxmlformats.org/officeDocument/2006/relationships" xmlns:p="http://schemas.openxmlformats.org/presentationml/2006/main">
+  <p:cSld>
+    <p:spTree>
+      <p:nvGrpSpPr>
+        <p:cNvPr id="1" name=""/>
+        <p:cNvGrpSpPr/>
+        <p:nvPr/>
+      </p:nvGrpSpPr>
+      <p:grpSpPr>
+        <a:xfrm>
+          <a:off x="0" y="0"/>
+          <a:ext cx="0" cy="0"/>
+          <a:chOff x="0" y="0"/>
+          <a:chExt cx="0" cy="0"/>
+        </a:xfrm>
+      </p:grpSpPr>
+      <p:pic>
+        <p:nvPicPr>
           <p:cNvPr id="5" name="Picture 4" descr="Map&#10;&#10;Description automatically generated">
             <a:extLst>
               <a:ext uri="{FF2B5EF4-FFF2-40B4-BE49-F238E27FC236}">
@@ -3062,7 +3237,7 @@
 </p:sld>
 </file>
 
-<file path=ppt/slides/slide2.xml><?xml version="1.0" encoding="utf-8"?>
+<file path=ppt/slides/slide3.xml><?xml version="1.0" encoding="utf-8"?>
 <p:sld xmlns:a="http://schemas.openxmlformats.org/drawingml/2006/main" xmlns:r="http://schemas.openxmlformats.org/officeDocument/2006/relationships" xmlns:p="http://schemas.openxmlformats.org/presentationml/2006/main">
   <p:cSld>
     <p:spTree>

--- a/images/GitHub_Photos.pptx
+++ b/images/GitHub_Photos.pptx
@@ -8,6 +8,8 @@
     <p:sldId id="258" r:id="rId2"/>
     <p:sldId id="256" r:id="rId3"/>
     <p:sldId id="257" r:id="rId4"/>
+    <p:sldId id="260" r:id="rId5"/>
+    <p:sldId id="259" r:id="rId6"/>
   </p:sldIdLst>
   <p:sldSz cx="8686800" cy="8686800"/>
   <p:notesSz cx="6858000" cy="9144000"/>
@@ -286,7 +288,7 @@
           <a:p>
             <a:fld id="{FC9CF142-440D-4A1C-8181-BB1E66AF929B}" type="datetimeFigureOut">
               <a:rPr lang="en-US" smtClean="0"/>
-              <a:t>4/8/2023</a:t>
+              <a:t>6/6/2023</a:t>
             </a:fld>
             <a:endParaRPr lang="en-US"/>
           </a:p>
@@ -456,7 +458,7 @@
           <a:p>
             <a:fld id="{FC9CF142-440D-4A1C-8181-BB1E66AF929B}" type="datetimeFigureOut">
               <a:rPr lang="en-US" smtClean="0"/>
-              <a:t>4/8/2023</a:t>
+              <a:t>6/6/2023</a:t>
             </a:fld>
             <a:endParaRPr lang="en-US"/>
           </a:p>
@@ -636,7 +638,7 @@
           <a:p>
             <a:fld id="{FC9CF142-440D-4A1C-8181-BB1E66AF929B}" type="datetimeFigureOut">
               <a:rPr lang="en-US" smtClean="0"/>
-              <a:t>4/8/2023</a:t>
+              <a:t>6/6/2023</a:t>
             </a:fld>
             <a:endParaRPr lang="en-US"/>
           </a:p>
@@ -806,7 +808,7 @@
           <a:p>
             <a:fld id="{FC9CF142-440D-4A1C-8181-BB1E66AF929B}" type="datetimeFigureOut">
               <a:rPr lang="en-US" smtClean="0"/>
-              <a:t>4/8/2023</a:t>
+              <a:t>6/6/2023</a:t>
             </a:fld>
             <a:endParaRPr lang="en-US"/>
           </a:p>
@@ -1050,7 +1052,7 @@
           <a:p>
             <a:fld id="{FC9CF142-440D-4A1C-8181-BB1E66AF929B}" type="datetimeFigureOut">
               <a:rPr lang="en-US" smtClean="0"/>
-              <a:t>4/8/2023</a:t>
+              <a:t>6/6/2023</a:t>
             </a:fld>
             <a:endParaRPr lang="en-US"/>
           </a:p>
@@ -1282,7 +1284,7 @@
           <a:p>
             <a:fld id="{FC9CF142-440D-4A1C-8181-BB1E66AF929B}" type="datetimeFigureOut">
               <a:rPr lang="en-US" smtClean="0"/>
-              <a:t>4/8/2023</a:t>
+              <a:t>6/6/2023</a:t>
             </a:fld>
             <a:endParaRPr lang="en-US"/>
           </a:p>
@@ -1649,7 +1651,7 @@
           <a:p>
             <a:fld id="{FC9CF142-440D-4A1C-8181-BB1E66AF929B}" type="datetimeFigureOut">
               <a:rPr lang="en-US" smtClean="0"/>
-              <a:t>4/8/2023</a:t>
+              <a:t>6/6/2023</a:t>
             </a:fld>
             <a:endParaRPr lang="en-US"/>
           </a:p>
@@ -1767,7 +1769,7 @@
           <a:p>
             <a:fld id="{FC9CF142-440D-4A1C-8181-BB1E66AF929B}" type="datetimeFigureOut">
               <a:rPr lang="en-US" smtClean="0"/>
-              <a:t>4/8/2023</a:t>
+              <a:t>6/6/2023</a:t>
             </a:fld>
             <a:endParaRPr lang="en-US"/>
           </a:p>
@@ -1862,7 +1864,7 @@
           <a:p>
             <a:fld id="{FC9CF142-440D-4A1C-8181-BB1E66AF929B}" type="datetimeFigureOut">
               <a:rPr lang="en-US" smtClean="0"/>
-              <a:t>4/8/2023</a:t>
+              <a:t>6/6/2023</a:t>
             </a:fld>
             <a:endParaRPr lang="en-US"/>
           </a:p>
@@ -2139,7 +2141,7 @@
           <a:p>
             <a:fld id="{FC9CF142-440D-4A1C-8181-BB1E66AF929B}" type="datetimeFigureOut">
               <a:rPr lang="en-US" smtClean="0"/>
-              <a:t>4/8/2023</a:t>
+              <a:t>6/6/2023</a:t>
             </a:fld>
             <a:endParaRPr lang="en-US"/>
           </a:p>
@@ -2396,7 +2398,7 @@
           <a:p>
             <a:fld id="{FC9CF142-440D-4A1C-8181-BB1E66AF929B}" type="datetimeFigureOut">
               <a:rPr lang="en-US" smtClean="0"/>
-              <a:t>4/8/2023</a:t>
+              <a:t>6/6/2023</a:t>
             </a:fld>
             <a:endParaRPr lang="en-US"/>
           </a:p>
@@ -2609,7 +2611,7 @@
           <a:p>
             <a:fld id="{FC9CF142-440D-4A1C-8181-BB1E66AF929B}" type="datetimeFigureOut">
               <a:rPr lang="en-US" smtClean="0"/>
-              <a:t>4/8/2023</a:t>
+              <a:t>6/6/2023</a:t>
             </a:fld>
             <a:endParaRPr lang="en-US"/>
           </a:p>
@@ -3505,6 +3507,571 @@
 </p:sld>
 </file>
 
+<file path=ppt/slides/slide4.xml><?xml version="1.0" encoding="utf-8"?>
+<p:sld xmlns:a="http://schemas.openxmlformats.org/drawingml/2006/main" xmlns:r="http://schemas.openxmlformats.org/officeDocument/2006/relationships" xmlns:p="http://schemas.openxmlformats.org/presentationml/2006/main">
+  <p:cSld>
+    <p:spTree>
+      <p:nvGrpSpPr>
+        <p:cNvPr id="1" name=""/>
+        <p:cNvGrpSpPr/>
+        <p:nvPr/>
+      </p:nvGrpSpPr>
+      <p:grpSpPr>
+        <a:xfrm>
+          <a:off x="0" y="0"/>
+          <a:ext cx="0" cy="0"/>
+          <a:chOff x="0" y="0"/>
+          <a:chExt cx="0" cy="0"/>
+        </a:xfrm>
+      </p:grpSpPr>
+      <p:pic>
+        <p:nvPicPr>
+          <p:cNvPr id="8" name="Picture 12" descr="No photo description available.">
+            <a:extLst>
+              <a:ext uri="{FF2B5EF4-FFF2-40B4-BE49-F238E27FC236}">
+                <a16:creationId xmlns:a16="http://schemas.microsoft.com/office/drawing/2014/main" id="{C4F713D0-F827-425B-7C84-36844E5BBACC}"/>
+              </a:ext>
+            </a:extLst>
+          </p:cNvPr>
+          <p:cNvPicPr>
+            <a:picLocks noChangeAspect="1" noChangeArrowheads="1"/>
+          </p:cNvPicPr>
+          <p:nvPr/>
+        </p:nvPicPr>
+        <p:blipFill rotWithShape="1">
+          <a:blip r:embed="rId2">
+            <a:extLst>
+              <a:ext uri="{28A0092B-C50C-407E-A947-70E740481C1C}">
+                <a14:useLocalDpi xmlns:a14="http://schemas.microsoft.com/office/drawing/2010/main" val="0"/>
+              </a:ext>
+            </a:extLst>
+          </a:blip>
+          <a:srcRect l="11653" r="8387" b="-3"/>
+          <a:stretch/>
+        </p:blipFill>
+        <p:spPr bwMode="auto">
+          <a:xfrm>
+            <a:off x="594361" y="914398"/>
+            <a:ext cx="2376092" cy="2228759"/>
+          </a:xfrm>
+          <a:prstGeom prst="rect">
+            <a:avLst/>
+          </a:prstGeom>
+          <a:noFill/>
+          <a:extLst>
+            <a:ext uri="{909E8E84-426E-40DD-AFC4-6F175D3DCCD1}">
+              <a14:hiddenFill xmlns:a14="http://schemas.microsoft.com/office/drawing/2010/main">
+                <a:solidFill>
+                  <a:srgbClr val="FFFFFF"/>
+                </a:solidFill>
+              </a14:hiddenFill>
+            </a:ext>
+          </a:extLst>
+        </p:spPr>
+      </p:pic>
+      <p:pic>
+        <p:nvPicPr>
+          <p:cNvPr id="9" name="Picture 8" descr="GESAN (@GesanNepal) / Twitter">
+            <a:extLst>
+              <a:ext uri="{FF2B5EF4-FFF2-40B4-BE49-F238E27FC236}">
+                <a16:creationId xmlns:a16="http://schemas.microsoft.com/office/drawing/2014/main" id="{82FB60B5-7EBD-9655-7EE9-E55913AE456D}"/>
+              </a:ext>
+            </a:extLst>
+          </p:cNvPr>
+          <p:cNvPicPr>
+            <a:picLocks noChangeAspect="1" noChangeArrowheads="1"/>
+          </p:cNvPicPr>
+          <p:nvPr/>
+        </p:nvPicPr>
+        <p:blipFill rotWithShape="1">
+          <a:blip r:embed="rId3">
+            <a:extLst>
+              <a:ext uri="{28A0092B-C50C-407E-A947-70E740481C1C}">
+                <a14:useLocalDpi xmlns:a14="http://schemas.microsoft.com/office/drawing/2010/main" val="0"/>
+              </a:ext>
+            </a:extLst>
+          </a:blip>
+          <a:srcRect l="8862" r="31172" b="4"/>
+          <a:stretch/>
+        </p:blipFill>
+        <p:spPr bwMode="auto">
+          <a:xfrm>
+            <a:off x="3164803" y="911954"/>
+            <a:ext cx="2376092" cy="2228759"/>
+          </a:xfrm>
+          <a:prstGeom prst="rect">
+            <a:avLst/>
+          </a:prstGeom>
+          <a:noFill/>
+          <a:extLst>
+            <a:ext uri="{909E8E84-426E-40DD-AFC4-6F175D3DCCD1}">
+              <a14:hiddenFill xmlns:a14="http://schemas.microsoft.com/office/drawing/2010/main">
+                <a:solidFill>
+                  <a:srgbClr val="FFFFFF"/>
+                </a:solidFill>
+              </a14:hiddenFill>
+            </a:ext>
+          </a:extLst>
+        </p:spPr>
+      </p:pic>
+      <p:pic>
+        <p:nvPicPr>
+          <p:cNvPr id="10" name="Picture 8">
+            <a:extLst>
+              <a:ext uri="{FF2B5EF4-FFF2-40B4-BE49-F238E27FC236}">
+                <a16:creationId xmlns:a16="http://schemas.microsoft.com/office/drawing/2014/main" id="{29EDD072-36D8-1528-18AD-923FF2DD095B}"/>
+              </a:ext>
+            </a:extLst>
+          </p:cNvPr>
+          <p:cNvPicPr>
+            <a:picLocks noChangeAspect="1" noChangeArrowheads="1"/>
+          </p:cNvPicPr>
+          <p:nvPr/>
+        </p:nvPicPr>
+        <p:blipFill rotWithShape="1">
+          <a:blip r:embed="rId4">
+            <a:extLst>
+              <a:ext uri="{28A0092B-C50C-407E-A947-70E740481C1C}">
+                <a14:useLocalDpi xmlns:a14="http://schemas.microsoft.com/office/drawing/2010/main" val="0"/>
+              </a:ext>
+            </a:extLst>
+          </a:blip>
+          <a:srcRect l="16035" r="23999" b="4"/>
+          <a:stretch/>
+        </p:blipFill>
+        <p:spPr bwMode="auto">
+          <a:xfrm>
+            <a:off x="5735244" y="904177"/>
+            <a:ext cx="2376092" cy="2228759"/>
+          </a:xfrm>
+          <a:prstGeom prst="rect">
+            <a:avLst/>
+          </a:prstGeom>
+          <a:noFill/>
+          <a:extLst>
+            <a:ext uri="{909E8E84-426E-40DD-AFC4-6F175D3DCCD1}">
+              <a14:hiddenFill xmlns:a14="http://schemas.microsoft.com/office/drawing/2010/main">
+                <a:solidFill>
+                  <a:srgbClr val="FFFFFF"/>
+                </a:solidFill>
+              </a14:hiddenFill>
+            </a:ext>
+          </a:extLst>
+        </p:spPr>
+      </p:pic>
+      <p:pic>
+        <p:nvPicPr>
+          <p:cNvPr id="11" name="Picture 2" descr="No alternative text description for this image">
+            <a:extLst>
+              <a:ext uri="{FF2B5EF4-FFF2-40B4-BE49-F238E27FC236}">
+                <a16:creationId xmlns:a16="http://schemas.microsoft.com/office/drawing/2014/main" id="{2EBAE2D4-6C25-AAEB-6482-7A8F34B83718}"/>
+              </a:ext>
+            </a:extLst>
+          </p:cNvPr>
+          <p:cNvPicPr>
+            <a:picLocks noChangeAspect="1" noChangeArrowheads="1"/>
+          </p:cNvPicPr>
+          <p:nvPr/>
+        </p:nvPicPr>
+        <p:blipFill rotWithShape="1">
+          <a:blip r:embed="rId5">
+            <a:extLst>
+              <a:ext uri="{28A0092B-C50C-407E-A947-70E740481C1C}">
+                <a14:useLocalDpi xmlns:a14="http://schemas.microsoft.com/office/drawing/2010/main" val="0"/>
+              </a:ext>
+            </a:extLst>
+          </a:blip>
+          <a:srcRect l="755" r="8196" b="2"/>
+          <a:stretch/>
+        </p:blipFill>
+        <p:spPr bwMode="auto">
+          <a:xfrm>
+            <a:off x="589106" y="3314551"/>
+            <a:ext cx="3330225" cy="2057368"/>
+          </a:xfrm>
+          <a:prstGeom prst="rect">
+            <a:avLst/>
+          </a:prstGeom>
+          <a:noFill/>
+          <a:extLst>
+            <a:ext uri="{909E8E84-426E-40DD-AFC4-6F175D3DCCD1}">
+              <a14:hiddenFill xmlns:a14="http://schemas.microsoft.com/office/drawing/2010/main">
+                <a:solidFill>
+                  <a:srgbClr val="FFFFFF"/>
+                </a:solidFill>
+              </a14:hiddenFill>
+            </a:ext>
+          </a:extLst>
+        </p:spPr>
+      </p:pic>
+      <p:pic>
+        <p:nvPicPr>
+          <p:cNvPr id="12" name="Picture 2" descr="Tri Dev Acharya, PhD - Davis, California, United States | Professional  Profile | LinkedIn">
+            <a:extLst>
+              <a:ext uri="{FF2B5EF4-FFF2-40B4-BE49-F238E27FC236}">
+                <a16:creationId xmlns:a16="http://schemas.microsoft.com/office/drawing/2014/main" id="{CC103F6E-D11A-1FCA-736E-BF6E13A79D63}"/>
+              </a:ext>
+            </a:extLst>
+          </p:cNvPr>
+          <p:cNvPicPr>
+            <a:picLocks noChangeAspect="1" noChangeArrowheads="1"/>
+          </p:cNvPicPr>
+          <p:nvPr/>
+        </p:nvPicPr>
+        <p:blipFill rotWithShape="1">
+          <a:blip r:embed="rId6">
+            <a:extLst>
+              <a:ext uri="{28A0092B-C50C-407E-A947-70E740481C1C}">
+                <a14:useLocalDpi xmlns:a14="http://schemas.microsoft.com/office/drawing/2010/main" val="0"/>
+              </a:ext>
+            </a:extLst>
+          </a:blip>
+          <a:srcRect l="6717" r="9389" b="-1"/>
+          <a:stretch/>
+        </p:blipFill>
+        <p:spPr bwMode="auto">
+          <a:xfrm>
+            <a:off x="585391" y="5543309"/>
+            <a:ext cx="3324552" cy="2229090"/>
+          </a:xfrm>
+          <a:prstGeom prst="rect">
+            <a:avLst/>
+          </a:prstGeom>
+          <a:noFill/>
+          <a:extLst>
+            <a:ext uri="{909E8E84-426E-40DD-AFC4-6F175D3DCCD1}">
+              <a14:hiddenFill xmlns:a14="http://schemas.microsoft.com/office/drawing/2010/main">
+                <a:solidFill>
+                  <a:srgbClr val="FFFFFF"/>
+                </a:solidFill>
+              </a14:hiddenFill>
+            </a:ext>
+          </a:extLst>
+        </p:spPr>
+      </p:pic>
+      <p:pic>
+        <p:nvPicPr>
+          <p:cNvPr id="13" name="Picture 10" descr="No photo description available.">
+            <a:extLst>
+              <a:ext uri="{FF2B5EF4-FFF2-40B4-BE49-F238E27FC236}">
+                <a16:creationId xmlns:a16="http://schemas.microsoft.com/office/drawing/2014/main" id="{2646FD17-E68A-E904-9117-D25E883DEC99}"/>
+              </a:ext>
+            </a:extLst>
+          </p:cNvPr>
+          <p:cNvPicPr>
+            <a:picLocks noChangeAspect="1" noChangeArrowheads="1"/>
+          </p:cNvPicPr>
+          <p:nvPr/>
+        </p:nvPicPr>
+        <p:blipFill rotWithShape="1">
+          <a:blip r:embed="rId7">
+            <a:extLst>
+              <a:ext uri="{28A0092B-C50C-407E-A947-70E740481C1C}">
+                <a14:useLocalDpi xmlns:a14="http://schemas.microsoft.com/office/drawing/2010/main" val="0"/>
+              </a:ext>
+            </a:extLst>
+          </a:blip>
+          <a:srcRect l="19228" r="20707" b="1"/>
+          <a:stretch/>
+        </p:blipFill>
+        <p:spPr bwMode="auto">
+          <a:xfrm>
+            <a:off x="4114800" y="3314551"/>
+            <a:ext cx="3996536" cy="4457850"/>
+          </a:xfrm>
+          <a:prstGeom prst="rect">
+            <a:avLst/>
+          </a:prstGeom>
+          <a:noFill/>
+          <a:extLst>
+            <a:ext uri="{909E8E84-426E-40DD-AFC4-6F175D3DCCD1}">
+              <a14:hiddenFill xmlns:a14="http://schemas.microsoft.com/office/drawing/2010/main">
+                <a:solidFill>
+                  <a:srgbClr val="FFFFFF"/>
+                </a:solidFill>
+              </a14:hiddenFill>
+            </a:ext>
+          </a:extLst>
+        </p:spPr>
+      </p:pic>
+    </p:spTree>
+    <p:extLst>
+      <p:ext uri="{BB962C8B-B14F-4D97-AF65-F5344CB8AC3E}">
+        <p14:creationId xmlns:p14="http://schemas.microsoft.com/office/powerpoint/2010/main" val="1349525649"/>
+      </p:ext>
+    </p:extLst>
+  </p:cSld>
+  <p:clrMapOvr>
+    <a:masterClrMapping/>
+  </p:clrMapOvr>
+</p:sld>
+</file>
+
+<file path=ppt/slides/slide5.xml><?xml version="1.0" encoding="utf-8"?>
+<p:sld xmlns:a="http://schemas.openxmlformats.org/drawingml/2006/main" xmlns:r="http://schemas.openxmlformats.org/officeDocument/2006/relationships" xmlns:p="http://schemas.openxmlformats.org/presentationml/2006/main">
+  <p:cSld>
+    <p:spTree>
+      <p:nvGrpSpPr>
+        <p:cNvPr id="1" name=""/>
+        <p:cNvGrpSpPr/>
+        <p:nvPr/>
+      </p:nvGrpSpPr>
+      <p:grpSpPr>
+        <a:xfrm>
+          <a:off x="0" y="0"/>
+          <a:ext cx="0" cy="0"/>
+          <a:chOff x="0" y="0"/>
+          <a:chExt cx="0" cy="0"/>
+        </a:xfrm>
+      </p:grpSpPr>
+      <p:pic>
+        <p:nvPicPr>
+          <p:cNvPr id="1026" name="Picture 2" descr="Tri Dev Acharya, PhD - Davis, California, United States | Professional  Profile | LinkedIn">
+            <a:extLst>
+              <a:ext uri="{FF2B5EF4-FFF2-40B4-BE49-F238E27FC236}">
+                <a16:creationId xmlns:a16="http://schemas.microsoft.com/office/drawing/2014/main" id="{1736499B-6527-2FB7-20F5-99B3AC8E055F}"/>
+              </a:ext>
+            </a:extLst>
+          </p:cNvPr>
+          <p:cNvPicPr>
+            <a:picLocks noChangeAspect="1" noChangeArrowheads="1"/>
+          </p:cNvPicPr>
+          <p:nvPr/>
+        </p:nvPicPr>
+        <p:blipFill>
+          <a:blip r:embed="rId2">
+            <a:extLst>
+              <a:ext uri="{28A0092B-C50C-407E-A947-70E740481C1C}">
+                <a14:useLocalDpi xmlns:a14="http://schemas.microsoft.com/office/drawing/2010/main" val="0"/>
+              </a:ext>
+            </a:extLst>
+          </a:blip>
+          <a:srcRect/>
+          <a:stretch>
+            <a:fillRect/>
+          </a:stretch>
+        </p:blipFill>
+        <p:spPr bwMode="auto">
+          <a:xfrm>
+            <a:off x="0" y="3968402"/>
+            <a:ext cx="7620000" cy="4286250"/>
+          </a:xfrm>
+          <a:prstGeom prst="rect">
+            <a:avLst/>
+          </a:prstGeom>
+          <a:noFill/>
+          <a:extLst>
+            <a:ext uri="{909E8E84-426E-40DD-AFC4-6F175D3DCCD1}">
+              <a14:hiddenFill xmlns:a14="http://schemas.microsoft.com/office/drawing/2010/main">
+                <a:solidFill>
+                  <a:srgbClr val="FFFFFF"/>
+                </a:solidFill>
+              </a14:hiddenFill>
+            </a:ext>
+          </a:extLst>
+        </p:spPr>
+      </p:pic>
+      <p:pic>
+        <p:nvPicPr>
+          <p:cNvPr id="1028" name="Picture 4" descr="GESAN (@GesanNepal) / Twitter">
+            <a:extLst>
+              <a:ext uri="{FF2B5EF4-FFF2-40B4-BE49-F238E27FC236}">
+                <a16:creationId xmlns:a16="http://schemas.microsoft.com/office/drawing/2014/main" id="{9A2242A2-10AF-54E9-2201-B4E4387142D1}"/>
+              </a:ext>
+            </a:extLst>
+          </p:cNvPr>
+          <p:cNvPicPr>
+            <a:picLocks noChangeAspect="1" noChangeArrowheads="1"/>
+          </p:cNvPicPr>
+          <p:nvPr/>
+        </p:nvPicPr>
+        <p:blipFill>
+          <a:blip r:embed="rId3">
+            <a:extLst>
+              <a:ext uri="{28A0092B-C50C-407E-A947-70E740481C1C}">
+                <a14:useLocalDpi xmlns:a14="http://schemas.microsoft.com/office/drawing/2010/main" val="0"/>
+              </a:ext>
+            </a:extLst>
+          </a:blip>
+          <a:srcRect/>
+          <a:stretch>
+            <a:fillRect/>
+          </a:stretch>
+        </p:blipFill>
+        <p:spPr bwMode="auto">
+          <a:xfrm>
+            <a:off x="5249887" y="6515833"/>
+            <a:ext cx="8686800" cy="4886325"/>
+          </a:xfrm>
+          <a:prstGeom prst="rect">
+            <a:avLst/>
+          </a:prstGeom>
+          <a:noFill/>
+          <a:extLst>
+            <a:ext uri="{909E8E84-426E-40DD-AFC4-6F175D3DCCD1}">
+              <a14:hiddenFill xmlns:a14="http://schemas.microsoft.com/office/drawing/2010/main">
+                <a:solidFill>
+                  <a:srgbClr val="FFFFFF"/>
+                </a:solidFill>
+              </a14:hiddenFill>
+            </a:ext>
+          </a:extLst>
+        </p:spPr>
+      </p:pic>
+      <p:pic>
+        <p:nvPicPr>
+          <p:cNvPr id="1032" name="Picture 8">
+            <a:extLst>
+              <a:ext uri="{FF2B5EF4-FFF2-40B4-BE49-F238E27FC236}">
+                <a16:creationId xmlns:a16="http://schemas.microsoft.com/office/drawing/2014/main" id="{F867C264-2A1C-A6AB-02E0-7E3EF4397120}"/>
+              </a:ext>
+            </a:extLst>
+          </p:cNvPr>
+          <p:cNvPicPr>
+            <a:picLocks noChangeAspect="1" noChangeArrowheads="1"/>
+          </p:cNvPicPr>
+          <p:nvPr/>
+        </p:nvPicPr>
+        <p:blipFill>
+          <a:blip r:embed="rId4">
+            <a:extLst>
+              <a:ext uri="{28A0092B-C50C-407E-A947-70E740481C1C}">
+                <a14:useLocalDpi xmlns:a14="http://schemas.microsoft.com/office/drawing/2010/main" val="0"/>
+              </a:ext>
+            </a:extLst>
+          </a:blip>
+          <a:srcRect/>
+          <a:stretch>
+            <a:fillRect/>
+          </a:stretch>
+        </p:blipFill>
+        <p:spPr bwMode="auto">
+          <a:xfrm>
+            <a:off x="-4572000" y="0"/>
+            <a:ext cx="8686800" cy="4886325"/>
+          </a:xfrm>
+          <a:prstGeom prst="rect">
+            <a:avLst/>
+          </a:prstGeom>
+          <a:noFill/>
+          <a:extLst>
+            <a:ext uri="{909E8E84-426E-40DD-AFC4-6F175D3DCCD1}">
+              <a14:hiddenFill xmlns:a14="http://schemas.microsoft.com/office/drawing/2010/main">
+                <a:solidFill>
+                  <a:srgbClr val="FFFFFF"/>
+                </a:solidFill>
+              </a14:hiddenFill>
+            </a:ext>
+          </a:extLst>
+        </p:spPr>
+      </p:pic>
+      <p:pic>
+        <p:nvPicPr>
+          <p:cNvPr id="1034" name="Picture 10" descr="No photo description available.">
+            <a:extLst>
+              <a:ext uri="{FF2B5EF4-FFF2-40B4-BE49-F238E27FC236}">
+                <a16:creationId xmlns:a16="http://schemas.microsoft.com/office/drawing/2014/main" id="{DD0864EE-ABF2-AF60-3A61-7C6B3A74D084}"/>
+              </a:ext>
+            </a:extLst>
+          </p:cNvPr>
+          <p:cNvPicPr>
+            <a:picLocks noChangeAspect="1" noChangeArrowheads="1"/>
+          </p:cNvPicPr>
+          <p:nvPr/>
+        </p:nvPicPr>
+        <p:blipFill>
+          <a:blip r:embed="rId5">
+            <a:extLst>
+              <a:ext uri="{28A0092B-C50C-407E-A947-70E740481C1C}">
+                <a14:useLocalDpi xmlns:a14="http://schemas.microsoft.com/office/drawing/2010/main" val="0"/>
+              </a:ext>
+            </a:extLst>
+          </a:blip>
+          <a:srcRect/>
+          <a:stretch>
+            <a:fillRect/>
+          </a:stretch>
+        </p:blipFill>
+        <p:spPr bwMode="auto">
+          <a:xfrm>
+            <a:off x="4493895" y="-120492"/>
+            <a:ext cx="8686800" cy="5827713"/>
+          </a:xfrm>
+          <a:prstGeom prst="rect">
+            <a:avLst/>
+          </a:prstGeom>
+          <a:noFill/>
+          <a:extLst>
+            <a:ext uri="{909E8E84-426E-40DD-AFC4-6F175D3DCCD1}">
+              <a14:hiddenFill xmlns:a14="http://schemas.microsoft.com/office/drawing/2010/main">
+                <a:solidFill>
+                  <a:srgbClr val="FFFFFF"/>
+                </a:solidFill>
+              </a14:hiddenFill>
+            </a:ext>
+          </a:extLst>
+        </p:spPr>
+      </p:pic>
+      <p:pic>
+        <p:nvPicPr>
+          <p:cNvPr id="1036" name="Picture 12" descr="No photo description available.">
+            <a:extLst>
+              <a:ext uri="{FF2B5EF4-FFF2-40B4-BE49-F238E27FC236}">
+                <a16:creationId xmlns:a16="http://schemas.microsoft.com/office/drawing/2014/main" id="{C398254F-FBCB-4D82-398A-09EE95B967BD}"/>
+              </a:ext>
+            </a:extLst>
+          </p:cNvPr>
+          <p:cNvPicPr>
+            <a:picLocks noChangeAspect="1" noChangeArrowheads="1"/>
+          </p:cNvPicPr>
+          <p:nvPr/>
+        </p:nvPicPr>
+        <p:blipFill>
+          <a:blip r:embed="rId6">
+            <a:extLst>
+              <a:ext uri="{28A0092B-C50C-407E-A947-70E740481C1C}">
+                <a14:useLocalDpi xmlns:a14="http://schemas.microsoft.com/office/drawing/2010/main" val="0"/>
+              </a:ext>
+            </a:extLst>
+          </a:blip>
+          <a:srcRect/>
+          <a:stretch>
+            <a:fillRect/>
+          </a:stretch>
+        </p:blipFill>
+        <p:spPr bwMode="auto">
+          <a:xfrm>
+            <a:off x="-6698932" y="5200650"/>
+            <a:ext cx="8686800" cy="6515100"/>
+          </a:xfrm>
+          <a:prstGeom prst="rect">
+            <a:avLst/>
+          </a:prstGeom>
+          <a:noFill/>
+          <a:extLst>
+            <a:ext uri="{909E8E84-426E-40DD-AFC4-6F175D3DCCD1}">
+              <a14:hiddenFill xmlns:a14="http://schemas.microsoft.com/office/drawing/2010/main">
+                <a:solidFill>
+                  <a:srgbClr val="FFFFFF"/>
+                </a:solidFill>
+              </a14:hiddenFill>
+            </a:ext>
+          </a:extLst>
+        </p:spPr>
+      </p:pic>
+    </p:spTree>
+    <p:extLst>
+      <p:ext uri="{BB962C8B-B14F-4D97-AF65-F5344CB8AC3E}">
+        <p14:creationId xmlns:p14="http://schemas.microsoft.com/office/powerpoint/2010/main" val="4274580886"/>
+      </p:ext>
+    </p:extLst>
+  </p:cSld>
+  <p:clrMapOvr>
+    <a:masterClrMapping/>
+  </p:clrMapOvr>
+</p:sld>
+</file>
+
 <file path=ppt/theme/theme1.xml><?xml version="1.0" encoding="utf-8"?>
 <a:theme xmlns:a="http://schemas.openxmlformats.org/drawingml/2006/main" name="Office Theme">
   <a:themeElements>
